--- a/Flow.pptx
+++ b/Flow.pptx
@@ -64,8 +64,8 @@
         </p:nvSpPr>
         <p:spPr>
           <a:xfrm>
-            <a:off x="1523880" y="1122480"/>
-            <a:ext cx="9143280" cy="2386800"/>
+            <a:off x="609480" y="273600"/>
+            <a:ext cx="10972440" cy="1144800"/>
           </a:xfrm>
           <a:prstGeom prst="rect">
             <a:avLst/>
@@ -195,8 +195,8 @@
         </p:nvSpPr>
         <p:spPr>
           <a:xfrm>
-            <a:off x="1523880" y="1122480"/>
-            <a:ext cx="9143280" cy="2386800"/>
+            <a:off x="609480" y="273600"/>
+            <a:ext cx="10972440" cy="1144800"/>
           </a:xfrm>
           <a:prstGeom prst="rect">
             <a:avLst/>
@@ -398,8 +398,8 @@
         </p:nvSpPr>
         <p:spPr>
           <a:xfrm>
-            <a:off x="1523880" y="1122480"/>
-            <a:ext cx="9143280" cy="2386800"/>
+            <a:off x="609480" y="273600"/>
+            <a:ext cx="10972440" cy="1144800"/>
           </a:xfrm>
           <a:prstGeom prst="rect">
             <a:avLst/>
@@ -575,8 +575,8 @@
         </p:nvSpPr>
         <p:spPr>
           <a:xfrm>
-            <a:off x="1523880" y="1122480"/>
-            <a:ext cx="9143280" cy="2386800"/>
+            <a:off x="609480" y="273600"/>
+            <a:ext cx="10972440" cy="1144800"/>
           </a:xfrm>
           <a:prstGeom prst="rect">
             <a:avLst/>
@@ -671,8 +671,8 @@
         </p:nvSpPr>
         <p:spPr>
           <a:xfrm>
-            <a:off x="1523880" y="1122480"/>
-            <a:ext cx="9143280" cy="2386800"/>
+            <a:off x="609480" y="273600"/>
+            <a:ext cx="10972440" cy="1144800"/>
           </a:xfrm>
           <a:prstGeom prst="rect">
             <a:avLst/>
@@ -766,8 +766,8 @@
         </p:nvSpPr>
         <p:spPr>
           <a:xfrm>
-            <a:off x="1523880" y="1122480"/>
-            <a:ext cx="9143280" cy="2386800"/>
+            <a:off x="609480" y="273600"/>
+            <a:ext cx="10972440" cy="1144800"/>
           </a:xfrm>
           <a:prstGeom prst="rect">
             <a:avLst/>
@@ -897,8 +897,8 @@
         </p:nvSpPr>
         <p:spPr>
           <a:xfrm>
-            <a:off x="1523880" y="1122480"/>
-            <a:ext cx="9143280" cy="2386800"/>
+            <a:off x="609480" y="273600"/>
+            <a:ext cx="10972440" cy="1144800"/>
           </a:xfrm>
           <a:prstGeom prst="rect">
             <a:avLst/>
@@ -956,8 +956,8 @@
         </p:nvSpPr>
         <p:spPr>
           <a:xfrm>
-            <a:off x="1523880" y="1122480"/>
-            <a:ext cx="9143280" cy="11064960"/>
+            <a:off x="609480" y="273600"/>
+            <a:ext cx="10972440" cy="5307840"/>
           </a:xfrm>
           <a:prstGeom prst="rect">
             <a:avLst/>
@@ -1015,8 +1015,8 @@
         </p:nvSpPr>
         <p:spPr>
           <a:xfrm>
-            <a:off x="1523880" y="1122480"/>
-            <a:ext cx="9143280" cy="2386800"/>
+            <a:off x="609480" y="273600"/>
+            <a:ext cx="10972440" cy="1144800"/>
           </a:xfrm>
           <a:prstGeom prst="rect">
             <a:avLst/>
@@ -1182,8 +1182,8 @@
         </p:nvSpPr>
         <p:spPr>
           <a:xfrm>
-            <a:off x="1523880" y="1122480"/>
-            <a:ext cx="9143280" cy="2386800"/>
+            <a:off x="609480" y="273600"/>
+            <a:ext cx="10972440" cy="1144800"/>
           </a:xfrm>
           <a:prstGeom prst="rect">
             <a:avLst/>
@@ -1349,8 +1349,8 @@
         </p:nvSpPr>
         <p:spPr>
           <a:xfrm>
-            <a:off x="1523880" y="1122480"/>
-            <a:ext cx="9143280" cy="2386800"/>
+            <a:off x="609480" y="273600"/>
+            <a:ext cx="10972440" cy="1144800"/>
           </a:xfrm>
           <a:prstGeom prst="rect">
             <a:avLst/>
@@ -1523,8 +1523,8 @@
         </p:nvSpPr>
         <p:spPr>
           <a:xfrm>
-            <a:off x="1523880" y="1122480"/>
-            <a:ext cx="9143280" cy="2386800"/>
+            <a:off x="609480" y="273600"/>
+            <a:ext cx="10972440" cy="1144800"/>
           </a:xfrm>
           <a:prstGeom prst="rect">
             <a:avLst/>
@@ -1534,6 +1534,20 @@
           <a:bodyPr lIns="0" rIns="0" tIns="0" bIns="0" anchor="ctr"/>
           <a:p>
             <a:pPr algn="ctr"/>
+            <a:r>
+              <a:rPr b="0" lang="en-US" sz="4400" spc="-1" strike="noStrike">
+                <a:solidFill>
+                  <a:srgbClr val="000000"/>
+                </a:solidFill>
+                <a:uFill>
+                  <a:solidFill>
+                    <a:srgbClr val="ffffff"/>
+                  </a:solidFill>
+                </a:uFill>
+                <a:latin typeface="Arial"/>
+              </a:rPr>
+              <a:t>Click to edit the title text format</a:t>
+            </a:r>
             <a:endParaRPr b="0" lang="en-US" sz="4400" spc="-1" strike="noStrike">
               <a:solidFill>
                 <a:srgbClr val="000000"/>
@@ -1862,7 +1876,7 @@
         <p:spPr>
           <a:xfrm>
             <a:off x="4113000" y="615960"/>
-            <a:ext cx="1550880" cy="494280"/>
+            <a:ext cx="1550160" cy="493560"/>
           </a:xfrm>
           <a:prstGeom prst="roundRect">
             <a:avLst>
@@ -1937,7 +1951,7 @@
         <p:spPr>
           <a:xfrm>
             <a:off x="4113000" y="1815840"/>
-            <a:ext cx="1550880" cy="494280"/>
+            <a:ext cx="1550160" cy="493560"/>
           </a:xfrm>
           <a:prstGeom prst="roundRect">
             <a:avLst>
@@ -2012,7 +2026,7 @@
         <p:spPr>
           <a:xfrm>
             <a:off x="7288200" y="615960"/>
-            <a:ext cx="1550880" cy="494280"/>
+            <a:ext cx="1550160" cy="493560"/>
           </a:xfrm>
           <a:prstGeom prst="roundRect">
             <a:avLst>
@@ -2086,8 +2100,8 @@
         </p:nvSpPr>
         <p:spPr>
           <a:xfrm flipH="1">
-            <a:off x="4887360" y="1110960"/>
-            <a:ext cx="360" cy="704160"/>
+            <a:off x="4885920" y="1110960"/>
+            <a:ext cx="360" cy="703440"/>
           </a:xfrm>
           <a:custGeom>
             <a:avLst/>
@@ -2140,7 +2154,7 @@
         <p:spPr>
           <a:xfrm>
             <a:off x="5664600" y="863640"/>
-            <a:ext cx="1622880" cy="360"/>
+            <a:ext cx="1622160" cy="360"/>
           </a:xfrm>
           <a:custGeom>
             <a:avLst/>
@@ -2193,7 +2207,7 @@
         <p:spPr>
           <a:xfrm>
             <a:off x="5664600" y="863640"/>
-            <a:ext cx="1622880" cy="646920"/>
+            <a:ext cx="1622160" cy="646200"/>
           </a:xfrm>
           <a:custGeom>
             <a:avLst/>
@@ -2246,7 +2260,7 @@
         <p:spPr>
           <a:xfrm>
             <a:off x="7288200" y="1263600"/>
-            <a:ext cx="1550880" cy="494280"/>
+            <a:ext cx="1550160" cy="493560"/>
           </a:xfrm>
           <a:prstGeom prst="roundRect">
             <a:avLst>
@@ -2321,7 +2335,7 @@
         <p:spPr>
           <a:xfrm>
             <a:off x="8174160" y="2965320"/>
-            <a:ext cx="1550880" cy="494280"/>
+            <a:ext cx="1550160" cy="493560"/>
           </a:xfrm>
           <a:prstGeom prst="roundRect">
             <a:avLst>
@@ -2411,7 +2425,7 @@
         <p:spPr>
           <a:xfrm>
             <a:off x="4245120" y="2934000"/>
-            <a:ext cx="1550880" cy="494280"/>
+            <a:ext cx="1550160" cy="493560"/>
           </a:xfrm>
           <a:prstGeom prst="roundRect">
             <a:avLst>
@@ -2486,7 +2500,7 @@
         <p:spPr>
           <a:xfrm>
             <a:off x="4888800" y="2310840"/>
-            <a:ext cx="4060800" cy="653760"/>
+            <a:ext cx="4060080" cy="653040"/>
           </a:xfrm>
           <a:custGeom>
             <a:avLst/>
@@ -2539,7 +2553,7 @@
         <p:spPr>
           <a:xfrm>
             <a:off x="4888800" y="2310840"/>
-            <a:ext cx="131760" cy="622440"/>
+            <a:ext cx="131040" cy="621720"/>
           </a:xfrm>
           <a:custGeom>
             <a:avLst/>
@@ -2592,7 +2606,7 @@
         <p:spPr>
           <a:xfrm>
             <a:off x="5664600" y="457200"/>
-            <a:ext cx="1550880" cy="494280"/>
+            <a:ext cx="1550160" cy="493560"/>
           </a:xfrm>
           <a:prstGeom prst="roundRect">
             <a:avLst>
@@ -2664,7 +2678,7 @@
         <p:spPr>
           <a:xfrm>
             <a:off x="10284840" y="2176920"/>
-            <a:ext cx="1550880" cy="494280"/>
+            <a:ext cx="1550160" cy="493560"/>
           </a:xfrm>
           <a:prstGeom prst="roundRect">
             <a:avLst>
@@ -2739,7 +2753,7 @@
         <p:spPr>
           <a:xfrm>
             <a:off x="6209640" y="2934000"/>
-            <a:ext cx="1550880" cy="494280"/>
+            <a:ext cx="1550160" cy="493560"/>
           </a:xfrm>
           <a:prstGeom prst="roundRect">
             <a:avLst>
@@ -2829,7 +2843,7 @@
         <p:spPr>
           <a:xfrm>
             <a:off x="4888800" y="2310840"/>
-            <a:ext cx="2096280" cy="622440"/>
+            <a:ext cx="2095560" cy="621720"/>
           </a:xfrm>
           <a:custGeom>
             <a:avLst/>
@@ -2882,7 +2896,7 @@
         <p:spPr>
           <a:xfrm>
             <a:off x="7181280" y="4755240"/>
-            <a:ext cx="1550880" cy="494280"/>
+            <a:ext cx="1550160" cy="493560"/>
           </a:xfrm>
           <a:prstGeom prst="roundRect">
             <a:avLst>
@@ -2957,7 +2971,7 @@
         <p:spPr>
           <a:xfrm>
             <a:off x="10284840" y="3815280"/>
-            <a:ext cx="1550880" cy="494280"/>
+            <a:ext cx="1550160" cy="493560"/>
           </a:xfrm>
           <a:prstGeom prst="roundRect">
             <a:avLst>
@@ -3031,8 +3045,8 @@
         </p:nvSpPr>
         <p:spPr>
           <a:xfrm flipH="1">
-            <a:off x="8732160" y="3215160"/>
-            <a:ext cx="3102840" cy="1787040"/>
+            <a:off x="8731440" y="3215160"/>
+            <a:ext cx="3102120" cy="1786320"/>
           </a:xfrm>
           <a:prstGeom prst="bentConnector3">
             <a:avLst>
@@ -3073,8 +3087,8 @@
         </p:nvSpPr>
         <p:spPr>
           <a:xfrm flipV="1">
-            <a:off x="6768360" y="4061880"/>
-            <a:ext cx="3515400" cy="939600"/>
+            <a:off x="6768360" y="4061160"/>
+            <a:ext cx="3514680" cy="938880"/>
           </a:xfrm>
           <a:prstGeom prst="bentConnector3">
             <a:avLst>
@@ -3115,8 +3129,8 @@
         </p:nvSpPr>
         <p:spPr>
           <a:xfrm flipH="1">
-            <a:off x="5991840" y="4171680"/>
-            <a:ext cx="992160" cy="582840"/>
+            <a:off x="5991120" y="4171680"/>
+            <a:ext cx="991440" cy="582120"/>
           </a:xfrm>
           <a:custGeom>
             <a:avLst/>
@@ -3169,7 +3183,7 @@
         <p:spPr>
           <a:xfrm>
             <a:off x="5020920" y="3429000"/>
-            <a:ext cx="1963800" cy="741960"/>
+            <a:ext cx="1963080" cy="741240"/>
           </a:xfrm>
           <a:custGeom>
             <a:avLst/>
@@ -3221,8 +3235,8 @@
         </p:nvSpPr>
         <p:spPr>
           <a:xfrm flipV="1">
-            <a:off x="9726120" y="2423520"/>
-            <a:ext cx="558000" cy="787680"/>
+            <a:off x="9726120" y="2422800"/>
+            <a:ext cx="557280" cy="786960"/>
           </a:xfrm>
           <a:custGeom>
             <a:avLst/>
@@ -3274,8 +3288,8 @@
         </p:nvSpPr>
         <p:spPr>
           <a:xfrm flipV="1">
-            <a:off x="1868040" y="3180600"/>
-            <a:ext cx="2376360" cy="679320"/>
+            <a:off x="1868040" y="3179880"/>
+            <a:ext cx="2375640" cy="678600"/>
           </a:xfrm>
           <a:prstGeom prst="bentConnector3">
             <a:avLst>
@@ -3317,7 +3331,7 @@
         <p:spPr>
           <a:xfrm>
             <a:off x="9726120" y="3213000"/>
-            <a:ext cx="558000" cy="849240"/>
+            <a:ext cx="557280" cy="848520"/>
           </a:xfrm>
           <a:custGeom>
             <a:avLst/>
@@ -3370,7 +3384,7 @@
         <p:spPr>
           <a:xfrm>
             <a:off x="6985440" y="4171680"/>
-            <a:ext cx="970920" cy="582840"/>
+            <a:ext cx="970200" cy="582120"/>
           </a:xfrm>
           <a:custGeom>
             <a:avLst/>
@@ -3423,7 +3437,7 @@
         <p:spPr>
           <a:xfrm>
             <a:off x="5216760" y="5424840"/>
-            <a:ext cx="1550880" cy="494280"/>
+            <a:ext cx="1550160" cy="493560"/>
           </a:xfrm>
           <a:prstGeom prst="roundRect">
             <a:avLst>
@@ -3498,7 +3512,7 @@
         <p:spPr>
           <a:xfrm>
             <a:off x="7181280" y="5422320"/>
-            <a:ext cx="1550880" cy="494280"/>
+            <a:ext cx="1550160" cy="493560"/>
           </a:xfrm>
           <a:prstGeom prst="roundRect">
             <a:avLst>
@@ -3573,7 +3587,7 @@
         <p:spPr>
           <a:xfrm>
             <a:off x="5216760" y="4755240"/>
-            <a:ext cx="1550880" cy="494280"/>
+            <a:ext cx="1550160" cy="493560"/>
           </a:xfrm>
           <a:prstGeom prst="roundRect">
             <a:avLst>
@@ -3647,8 +3661,8 @@
         </p:nvSpPr>
         <p:spPr>
           <a:xfrm rot="5400000">
-            <a:off x="5755680" y="4442040"/>
-            <a:ext cx="2242800" cy="216360"/>
+            <a:off x="5756400" y="4442040"/>
+            <a:ext cx="2242080" cy="215640"/>
           </a:xfrm>
           <a:prstGeom prst="bentConnector2">
             <a:avLst/>
@@ -3687,8 +3701,8 @@
         </p:nvSpPr>
         <p:spPr>
           <a:xfrm flipH="1" rot="16200000">
-            <a:off x="5962320" y="4452120"/>
-            <a:ext cx="2239920" cy="195120"/>
+            <a:off x="5961600" y="4452840"/>
+            <a:ext cx="2239200" cy="194400"/>
           </a:xfrm>
           <a:prstGeom prst="bentConnector2">
             <a:avLst/>
@@ -3727,8 +3741,8 @@
         </p:nvSpPr>
         <p:spPr>
           <a:xfrm flipH="1">
-            <a:off x="8732160" y="2424240"/>
-            <a:ext cx="3102840" cy="3244680"/>
+            <a:off x="8731440" y="2424240"/>
+            <a:ext cx="3102120" cy="3243960"/>
           </a:xfrm>
           <a:prstGeom prst="bentConnector3">
             <a:avLst>
@@ -3769,8 +3783,8 @@
         </p:nvSpPr>
         <p:spPr>
           <a:xfrm flipH="1">
-            <a:off x="9474840" y="1018440"/>
-            <a:ext cx="619920" cy="360"/>
+            <a:off x="9474120" y="1018440"/>
+            <a:ext cx="619200" cy="360"/>
           </a:xfrm>
           <a:custGeom>
             <a:avLst/>
@@ -3822,8 +3836,8 @@
         </p:nvSpPr>
         <p:spPr>
           <a:xfrm flipH="1">
-            <a:off x="9474840" y="1347480"/>
-            <a:ext cx="619920" cy="360"/>
+            <a:off x="9474120" y="1347480"/>
+            <a:ext cx="619200" cy="360"/>
           </a:xfrm>
           <a:custGeom>
             <a:avLst/>
@@ -3876,7 +3890,7 @@
         <p:spPr>
           <a:xfrm>
             <a:off x="10120320" y="833760"/>
-            <a:ext cx="1491480" cy="364320"/>
+            <a:ext cx="1490760" cy="363600"/>
           </a:xfrm>
           <a:prstGeom prst="rect">
             <a:avLst/>
@@ -3938,7 +3952,7 @@
         <p:spPr>
           <a:xfrm>
             <a:off x="10418040" y="1153440"/>
-            <a:ext cx="895680" cy="364320"/>
+            <a:ext cx="894960" cy="363600"/>
           </a:xfrm>
           <a:prstGeom prst="rect">
             <a:avLst/>
@@ -4000,7 +4014,7 @@
         <p:spPr>
           <a:xfrm>
             <a:off x="9420840" y="819720"/>
-            <a:ext cx="2142720" cy="717120"/>
+            <a:ext cx="2142000" cy="716400"/>
           </a:xfrm>
           <a:prstGeom prst="rect">
             <a:avLst/>
@@ -4037,7 +4051,7 @@
         <p:spPr>
           <a:xfrm>
             <a:off x="10284840" y="2967480"/>
-            <a:ext cx="1550880" cy="494280"/>
+            <a:ext cx="1550160" cy="493560"/>
           </a:xfrm>
           <a:prstGeom prst="roundRect">
             <a:avLst>
@@ -4112,7 +4126,7 @@
         <p:spPr>
           <a:xfrm>
             <a:off x="9726120" y="3213000"/>
-            <a:ext cx="558000" cy="1440"/>
+            <a:ext cx="557280" cy="720"/>
           </a:xfrm>
           <a:custGeom>
             <a:avLst/>
@@ -4165,7 +4179,7 @@
         <p:spPr>
           <a:xfrm>
             <a:off x="5020920" y="3429000"/>
-            <a:ext cx="360" cy="617400"/>
+            <a:ext cx="360" cy="616680"/>
           </a:xfrm>
           <a:custGeom>
             <a:avLst/>
@@ -4218,7 +4232,7 @@
         <p:spPr>
           <a:xfrm>
             <a:off x="7181280" y="6140880"/>
-            <a:ext cx="1550880" cy="494280"/>
+            <a:ext cx="1550160" cy="493560"/>
           </a:xfrm>
           <a:prstGeom prst="roundRect">
             <a:avLst>
@@ -4292,8 +4306,8 @@
         </p:nvSpPr>
         <p:spPr>
           <a:xfrm flipH="1" rot="16200000">
-            <a:off x="5974200" y="5182560"/>
-            <a:ext cx="2216160" cy="195120"/>
+            <a:off x="5973480" y="5183280"/>
+            <a:ext cx="2215440" cy="194400"/>
           </a:xfrm>
           <a:prstGeom prst="bentConnector2">
             <a:avLst/>
@@ -4332,8 +4346,8 @@
         </p:nvSpPr>
         <p:spPr>
           <a:xfrm rot="5400000">
-            <a:off x="5772240" y="5168160"/>
-            <a:ext cx="2209680" cy="216360"/>
+            <a:off x="5772960" y="5168160"/>
+            <a:ext cx="2208960" cy="215640"/>
           </a:xfrm>
           <a:prstGeom prst="bentConnector2">
             <a:avLst/>
@@ -4373,7 +4387,7 @@
         <p:spPr>
           <a:xfrm>
             <a:off x="5216760" y="6134400"/>
-            <a:ext cx="1550880" cy="494280"/>
+            <a:ext cx="1550160" cy="493560"/>
           </a:xfrm>
           <a:prstGeom prst="roundRect">
             <a:avLst>
@@ -4448,7 +4462,7 @@
         <p:spPr>
           <a:xfrm>
             <a:off x="2280600" y="2912040"/>
-            <a:ext cx="1550880" cy="494280"/>
+            <a:ext cx="1550160" cy="493560"/>
           </a:xfrm>
           <a:prstGeom prst="roundRect">
             <a:avLst>
@@ -4522,8 +4536,8 @@
         </p:nvSpPr>
         <p:spPr>
           <a:xfrm flipH="1">
-            <a:off x="3055680" y="2310840"/>
-            <a:ext cx="1831680" cy="600120"/>
+            <a:off x="3054960" y="2310840"/>
+            <a:ext cx="1830960" cy="599400"/>
           </a:xfrm>
           <a:custGeom>
             <a:avLst/>
@@ -4575,8 +4589,8 @@
         </p:nvSpPr>
         <p:spPr>
           <a:xfrm flipH="1" flipV="1">
-            <a:off x="1867320" y="2478240"/>
-            <a:ext cx="411840" cy="679680"/>
+            <a:off x="1866600" y="2477520"/>
+            <a:ext cx="411120" cy="678960"/>
           </a:xfrm>
           <a:custGeom>
             <a:avLst/>
@@ -4629,7 +4643,7 @@
         <p:spPr>
           <a:xfrm>
             <a:off x="316440" y="2921760"/>
-            <a:ext cx="1550880" cy="494280"/>
+            <a:ext cx="1550160" cy="493560"/>
           </a:xfrm>
           <a:prstGeom prst="roundRect">
             <a:avLst>
@@ -4704,7 +4718,7 @@
         <p:spPr>
           <a:xfrm>
             <a:off x="316440" y="2231640"/>
-            <a:ext cx="1550880" cy="494280"/>
+            <a:ext cx="1550160" cy="493560"/>
           </a:xfrm>
           <a:prstGeom prst="roundRect">
             <a:avLst>
@@ -4778,8 +4792,8 @@
         </p:nvSpPr>
         <p:spPr>
           <a:xfrm flipH="1">
-            <a:off x="1867320" y="3159360"/>
-            <a:ext cx="411840" cy="9000"/>
+            <a:off x="1866600" y="3159360"/>
+            <a:ext cx="411120" cy="8280"/>
           </a:xfrm>
           <a:custGeom>
             <a:avLst/>
@@ -4832,7 +4846,7 @@
         <p:spPr>
           <a:xfrm>
             <a:off x="316440" y="3614040"/>
-            <a:ext cx="1550880" cy="494280"/>
+            <a:ext cx="1550160" cy="493560"/>
           </a:xfrm>
           <a:prstGeom prst="roundRect">
             <a:avLst>
@@ -4906,8 +4920,8 @@
         </p:nvSpPr>
         <p:spPr>
           <a:xfrm flipH="1">
-            <a:off x="1867320" y="3159360"/>
-            <a:ext cx="411840" cy="701280"/>
+            <a:off x="1866600" y="3159360"/>
+            <a:ext cx="411120" cy="700560"/>
           </a:xfrm>
           <a:custGeom>
             <a:avLst/>
@@ -4959,8 +4973,8 @@
         </p:nvSpPr>
         <p:spPr>
           <a:xfrm flipV="1">
-            <a:off x="1868040" y="3180600"/>
-            <a:ext cx="4340880" cy="679320"/>
+            <a:off x="1868040" y="3179880"/>
+            <a:ext cx="4340160" cy="678600"/>
           </a:xfrm>
           <a:prstGeom prst="bentConnector3">
             <a:avLst>
@@ -5001,8 +5015,8 @@
         </p:nvSpPr>
         <p:spPr>
           <a:xfrm flipV="1">
-            <a:off x="8732880" y="3459600"/>
-            <a:ext cx="216360" cy="2927160"/>
+            <a:off x="8732880" y="3458880"/>
+            <a:ext cx="215640" cy="2926440"/>
           </a:xfrm>
           <a:prstGeom prst="bentConnector2">
             <a:avLst/>
@@ -5042,7 +5056,7 @@
         <p:spPr>
           <a:xfrm>
             <a:off x="4245120" y="4047120"/>
-            <a:ext cx="1550880" cy="494280"/>
+            <a:ext cx="1550160" cy="493560"/>
           </a:xfrm>
           <a:prstGeom prst="roundRect">
             <a:avLst>
@@ -5119,7 +5133,7 @@
         <p:spPr>
           <a:xfrm>
             <a:off x="1097280" y="2231640"/>
-            <a:ext cx="273960" cy="236880"/>
+            <a:ext cx="273240" cy="236160"/>
           </a:xfrm>
           <a:prstGeom prst="smileyFace">
             <a:avLst>
@@ -5151,7 +5165,7 @@
         <p:spPr>
           <a:xfrm>
             <a:off x="4754880" y="494280"/>
-            <a:ext cx="273960" cy="236880"/>
+            <a:ext cx="273240" cy="236160"/>
           </a:xfrm>
           <a:prstGeom prst="smileyFace">
             <a:avLst>
@@ -5183,7 +5197,7 @@
         <p:spPr>
           <a:xfrm>
             <a:off x="4754880" y="1737360"/>
-            <a:ext cx="273960" cy="236880"/>
+            <a:ext cx="273240" cy="236160"/>
           </a:xfrm>
           <a:prstGeom prst="smileyFace">
             <a:avLst>
@@ -5215,7 +5229,7 @@
         <p:spPr>
           <a:xfrm>
             <a:off x="1371960" y="3054960"/>
-            <a:ext cx="273960" cy="236880"/>
+            <a:ext cx="273240" cy="236160"/>
           </a:xfrm>
           <a:prstGeom prst="smileyFace">
             <a:avLst>
@@ -5247,7 +5261,7 @@
         <p:spPr>
           <a:xfrm>
             <a:off x="1463040" y="3786480"/>
-            <a:ext cx="273960" cy="236880"/>
+            <a:ext cx="273240" cy="236160"/>
           </a:xfrm>
           <a:prstGeom prst="smileyFace">
             <a:avLst>
@@ -5279,7 +5293,7 @@
         <p:spPr>
           <a:xfrm>
             <a:off x="4755240" y="4152240"/>
-            <a:ext cx="273960" cy="236880"/>
+            <a:ext cx="273240" cy="236160"/>
           </a:xfrm>
           <a:prstGeom prst="smileyFace">
             <a:avLst>
@@ -5311,7 +5325,7 @@
         <p:spPr>
           <a:xfrm>
             <a:off x="7955280" y="6217920"/>
-            <a:ext cx="273960" cy="236880"/>
+            <a:ext cx="273240" cy="236160"/>
           </a:xfrm>
           <a:prstGeom prst="smileyFace">
             <a:avLst>
@@ -5334,6 +5348,290 @@
           <a:fontRef idx="minor"/>
         </p:style>
       </p:sp>
+      <p:sp>
+        <p:nvSpPr>
+          <p:cNvPr id="97" name="CustomShape 62"/>
+          <p:cNvSpPr/>
+          <p:nvPr/>
+        </p:nvSpPr>
+        <p:spPr>
+          <a:xfrm>
+            <a:off x="8412480" y="4609800"/>
+            <a:ext cx="273240" cy="236160"/>
+          </a:xfrm>
+          <a:prstGeom prst="smileyFace">
+            <a:avLst>
+              <a:gd name="adj" fmla="val 18520"/>
+            </a:avLst>
+          </a:prstGeom>
+          <a:solidFill>
+            <a:srgbClr val="729fcf"/>
+          </a:solidFill>
+          <a:ln>
+            <a:solidFill>
+              <a:srgbClr val="3465a4"/>
+            </a:solidFill>
+          </a:ln>
+        </p:spPr>
+        <p:style>
+          <a:lnRef idx="0"/>
+          <a:fillRef idx="0"/>
+          <a:effectRef idx="0"/>
+          <a:fontRef idx="minor"/>
+        </p:style>
+      </p:sp>
+      <p:sp>
+        <p:nvSpPr>
+          <p:cNvPr id="98" name="CustomShape 63"/>
+          <p:cNvSpPr/>
+          <p:nvPr/>
+        </p:nvSpPr>
+        <p:spPr>
+          <a:xfrm>
+            <a:off x="10882080" y="2103120"/>
+            <a:ext cx="273240" cy="236160"/>
+          </a:xfrm>
+          <a:prstGeom prst="smileyFace">
+            <a:avLst>
+              <a:gd name="adj" fmla="val 18520"/>
+            </a:avLst>
+          </a:prstGeom>
+          <a:solidFill>
+            <a:srgbClr val="729fcf"/>
+          </a:solidFill>
+          <a:ln>
+            <a:solidFill>
+              <a:srgbClr val="3465a4"/>
+            </a:solidFill>
+          </a:ln>
+        </p:spPr>
+        <p:style>
+          <a:lnRef idx="0"/>
+          <a:fillRef idx="0"/>
+          <a:effectRef idx="0"/>
+          <a:fontRef idx="minor"/>
+        </p:style>
+      </p:sp>
+      <p:sp>
+        <p:nvSpPr>
+          <p:cNvPr id="99" name="CustomShape 64"/>
+          <p:cNvSpPr/>
+          <p:nvPr/>
+        </p:nvSpPr>
+        <p:spPr>
+          <a:xfrm>
+            <a:off x="11247840" y="2834640"/>
+            <a:ext cx="273240" cy="236160"/>
+          </a:xfrm>
+          <a:prstGeom prst="smileyFace">
+            <a:avLst>
+              <a:gd name="adj" fmla="val 18520"/>
+            </a:avLst>
+          </a:prstGeom>
+          <a:solidFill>
+            <a:srgbClr val="729fcf"/>
+          </a:solidFill>
+          <a:ln>
+            <a:solidFill>
+              <a:srgbClr val="3465a4"/>
+            </a:solidFill>
+          </a:ln>
+        </p:spPr>
+        <p:style>
+          <a:lnRef idx="0"/>
+          <a:fillRef idx="0"/>
+          <a:effectRef idx="0"/>
+          <a:fontRef idx="minor"/>
+        </p:style>
+      </p:sp>
+      <p:sp>
+        <p:nvSpPr>
+          <p:cNvPr id="100" name="CustomShape 65"/>
+          <p:cNvSpPr/>
+          <p:nvPr/>
+        </p:nvSpPr>
+        <p:spPr>
+          <a:xfrm>
+            <a:off x="8321040" y="5341320"/>
+            <a:ext cx="273240" cy="236160"/>
+          </a:xfrm>
+          <a:prstGeom prst="smileyFace">
+            <a:avLst>
+              <a:gd name="adj" fmla="val 18520"/>
+            </a:avLst>
+          </a:prstGeom>
+          <a:solidFill>
+            <a:srgbClr val="729fcf"/>
+          </a:solidFill>
+          <a:ln>
+            <a:solidFill>
+              <a:srgbClr val="3465a4"/>
+            </a:solidFill>
+          </a:ln>
+        </p:spPr>
+        <p:style>
+          <a:lnRef idx="0"/>
+          <a:fillRef idx="0"/>
+          <a:effectRef idx="0"/>
+          <a:fontRef idx="minor"/>
+        </p:style>
+      </p:sp>
+      <p:pic>
+        <p:nvPicPr>
+          <p:cNvPr id="101" name="" descr=""/>
+          <p:cNvPicPr/>
+          <p:nvPr/>
+        </p:nvPicPr>
+        <p:blipFill>
+          <a:blip r:embed="rId1"/>
+          <a:stretch/>
+        </p:blipFill>
+        <p:spPr>
+          <a:xfrm>
+            <a:off x="4999680" y="6005520"/>
+            <a:ext cx="577800" cy="577800"/>
+          </a:xfrm>
+          <a:prstGeom prst="rect">
+            <a:avLst/>
+          </a:prstGeom>
+          <a:ln>
+            <a:noFill/>
+          </a:ln>
+        </p:spPr>
+      </p:pic>
+      <p:pic>
+        <p:nvPicPr>
+          <p:cNvPr id="102" name="" descr=""/>
+          <p:cNvPicPr/>
+          <p:nvPr/>
+        </p:nvPicPr>
+        <p:blipFill>
+          <a:blip r:embed="rId2"/>
+          <a:stretch/>
+        </p:blipFill>
+        <p:spPr>
+          <a:xfrm>
+            <a:off x="4937760" y="5249160"/>
+            <a:ext cx="577800" cy="577800"/>
+          </a:xfrm>
+          <a:prstGeom prst="rect">
+            <a:avLst/>
+          </a:prstGeom>
+          <a:ln>
+            <a:noFill/>
+          </a:ln>
+        </p:spPr>
+      </p:pic>
+      <p:pic>
+        <p:nvPicPr>
+          <p:cNvPr id="103" name="" descr=""/>
+          <p:cNvPicPr/>
+          <p:nvPr/>
+        </p:nvPicPr>
+        <p:blipFill>
+          <a:blip r:embed="rId3"/>
+          <a:stretch/>
+        </p:blipFill>
+        <p:spPr>
+          <a:xfrm>
+            <a:off x="4908240" y="4541040"/>
+            <a:ext cx="577800" cy="577800"/>
+          </a:xfrm>
+          <a:prstGeom prst="rect">
+            <a:avLst/>
+          </a:prstGeom>
+          <a:ln>
+            <a:noFill/>
+          </a:ln>
+        </p:spPr>
+      </p:pic>
+      <p:sp>
+        <p:nvSpPr>
+          <p:cNvPr id="104" name="CustomShape 66"/>
+          <p:cNvSpPr/>
+          <p:nvPr/>
+        </p:nvSpPr>
+        <p:spPr>
+          <a:xfrm>
+            <a:off x="8686800" y="586440"/>
+            <a:ext cx="273240" cy="236160"/>
+          </a:xfrm>
+          <a:prstGeom prst="smileyFace">
+            <a:avLst>
+              <a:gd name="adj" fmla="val 4653"/>
+            </a:avLst>
+          </a:prstGeom>
+          <a:solidFill>
+            <a:srgbClr val="729fcf"/>
+          </a:solidFill>
+          <a:ln>
+            <a:solidFill>
+              <a:srgbClr val="3465a4"/>
+            </a:solidFill>
+          </a:ln>
+        </p:spPr>
+        <p:style>
+          <a:lnRef idx="0"/>
+          <a:fillRef idx="0"/>
+          <a:effectRef idx="0"/>
+          <a:fontRef idx="minor"/>
+        </p:style>
+      </p:sp>
+      <p:sp>
+        <p:nvSpPr>
+          <p:cNvPr id="105" name="CustomShape 67"/>
+          <p:cNvSpPr/>
+          <p:nvPr/>
+        </p:nvSpPr>
+        <p:spPr>
+          <a:xfrm>
+            <a:off x="8687520" y="1317960"/>
+            <a:ext cx="273240" cy="236160"/>
+          </a:xfrm>
+          <a:prstGeom prst="smileyFace">
+            <a:avLst>
+              <a:gd name="adj" fmla="val 4653"/>
+            </a:avLst>
+          </a:prstGeom>
+          <a:solidFill>
+            <a:srgbClr val="729fcf"/>
+          </a:solidFill>
+          <a:ln>
+            <a:solidFill>
+              <a:srgbClr val="3465a4"/>
+            </a:solidFill>
+          </a:ln>
+        </p:spPr>
+        <p:style>
+          <a:lnRef idx="0"/>
+          <a:fillRef idx="0"/>
+          <a:effectRef idx="0"/>
+          <a:fontRef idx="minor"/>
+        </p:style>
+      </p:sp>
+      <p:pic>
+        <p:nvPicPr>
+          <p:cNvPr id="106" name="" descr=""/>
+          <p:cNvPicPr/>
+          <p:nvPr/>
+        </p:nvPicPr>
+        <p:blipFill>
+          <a:blip r:embed="rId4"/>
+          <a:stretch/>
+        </p:blipFill>
+        <p:spPr>
+          <a:xfrm>
+            <a:off x="11338560" y="3994200"/>
+            <a:ext cx="577800" cy="577800"/>
+          </a:xfrm>
+          <a:prstGeom prst="rect">
+            <a:avLst/>
+          </a:prstGeom>
+          <a:ln>
+            <a:noFill/>
+          </a:ln>
+        </p:spPr>
+      </p:pic>
     </p:spTree>
   </p:cSld>
   <p:timing>
@@ -5385,14 +5683,14 @@
       </p:grpSpPr>
       <p:sp>
         <p:nvSpPr>
-          <p:cNvPr id="97" name="CustomShape 1"/>
+          <p:cNvPr id="107" name="CustomShape 1"/>
           <p:cNvSpPr/>
           <p:nvPr/>
         </p:nvSpPr>
         <p:spPr>
           <a:xfrm rot="5400000">
-            <a:off x="3410640" y="1904040"/>
-            <a:ext cx="1039320" cy="1183320"/>
+            <a:off x="3411360" y="1904040"/>
+            <a:ext cx="1038600" cy="1182600"/>
           </a:xfrm>
           <a:prstGeom prst="bentUpArrow">
             <a:avLst>
@@ -5432,14 +5730,14 @@
       </p:sp>
       <p:sp>
         <p:nvSpPr>
-          <p:cNvPr id="98" name="CustomShape 2"/>
+          <p:cNvPr id="108" name="CustomShape 2"/>
           <p:cNvSpPr/>
           <p:nvPr/>
         </p:nvSpPr>
         <p:spPr>
           <a:xfrm>
             <a:off x="3134520" y="750960"/>
-            <a:ext cx="1750320" cy="1224720"/>
+            <a:ext cx="1749600" cy="1224000"/>
           </a:xfrm>
           <a:prstGeom prst="roundRect">
             <a:avLst>
@@ -5512,14 +5810,14 @@
       </p:sp>
       <p:sp>
         <p:nvSpPr>
-          <p:cNvPr id="99" name="CustomShape 3"/>
+          <p:cNvPr id="109" name="CustomShape 3"/>
           <p:cNvSpPr/>
           <p:nvPr/>
         </p:nvSpPr>
         <p:spPr>
           <a:xfrm>
             <a:off x="4885200" y="867960"/>
-            <a:ext cx="1272600" cy="990000"/>
+            <a:ext cx="1271880" cy="989280"/>
           </a:xfrm>
           <a:prstGeom prst="rect">
             <a:avLst/>
@@ -5538,14 +5836,14 @@
       </p:sp>
       <p:sp>
         <p:nvSpPr>
-          <p:cNvPr id="100" name="CustomShape 4"/>
+          <p:cNvPr id="110" name="CustomShape 4"/>
           <p:cNvSpPr/>
           <p:nvPr/>
         </p:nvSpPr>
         <p:spPr>
           <a:xfrm rot="5400000">
-            <a:off x="4862520" y="3280680"/>
-            <a:ext cx="1039320" cy="1183320"/>
+            <a:off x="4863240" y="3280680"/>
+            <a:ext cx="1038600" cy="1182600"/>
           </a:xfrm>
           <a:prstGeom prst="bentUpArrow">
             <a:avLst>
@@ -5585,14 +5883,14 @@
       </p:sp>
       <p:sp>
         <p:nvSpPr>
-          <p:cNvPr id="101" name="CustomShape 5"/>
+          <p:cNvPr id="111" name="CustomShape 5"/>
           <p:cNvSpPr/>
           <p:nvPr/>
         </p:nvSpPr>
         <p:spPr>
           <a:xfrm>
             <a:off x="4586040" y="2127960"/>
-            <a:ext cx="1750320" cy="1224720"/>
+            <a:ext cx="1749600" cy="1224000"/>
           </a:xfrm>
           <a:prstGeom prst="roundRect">
             <a:avLst>
@@ -5665,14 +5963,14 @@
       </p:sp>
       <p:sp>
         <p:nvSpPr>
-          <p:cNvPr id="102" name="CustomShape 6"/>
+          <p:cNvPr id="112" name="CustomShape 6"/>
           <p:cNvSpPr/>
           <p:nvPr/>
         </p:nvSpPr>
         <p:spPr>
           <a:xfrm>
             <a:off x="6337080" y="2244600"/>
-            <a:ext cx="1272600" cy="990000"/>
+            <a:ext cx="1271880" cy="989280"/>
           </a:xfrm>
           <a:prstGeom prst="rect">
             <a:avLst/>
@@ -5691,14 +5989,14 @@
       </p:sp>
       <p:sp>
         <p:nvSpPr>
-          <p:cNvPr id="103" name="CustomShape 7"/>
+          <p:cNvPr id="113" name="CustomShape 7"/>
           <p:cNvSpPr/>
           <p:nvPr/>
         </p:nvSpPr>
         <p:spPr>
           <a:xfrm rot="5400000">
-            <a:off x="6314040" y="4657680"/>
-            <a:ext cx="1039320" cy="1183320"/>
+            <a:off x="6314760" y="4657680"/>
+            <a:ext cx="1038600" cy="1182600"/>
           </a:xfrm>
           <a:prstGeom prst="bentUpArrow">
             <a:avLst>
@@ -5738,14 +6036,14 @@
       </p:sp>
       <p:sp>
         <p:nvSpPr>
-          <p:cNvPr id="104" name="CustomShape 8"/>
+          <p:cNvPr id="114" name="CustomShape 8"/>
           <p:cNvSpPr/>
           <p:nvPr/>
         </p:nvSpPr>
         <p:spPr>
           <a:xfrm>
             <a:off x="6037920" y="3504600"/>
-            <a:ext cx="1750320" cy="1224720"/>
+            <a:ext cx="1749600" cy="1224000"/>
           </a:xfrm>
           <a:prstGeom prst="roundRect">
             <a:avLst>
@@ -5818,14 +6116,14 @@
       </p:sp>
       <p:sp>
         <p:nvSpPr>
-          <p:cNvPr id="105" name="CustomShape 9"/>
+          <p:cNvPr id="115" name="CustomShape 9"/>
           <p:cNvSpPr/>
           <p:nvPr/>
         </p:nvSpPr>
         <p:spPr>
           <a:xfrm>
             <a:off x="7788960" y="3621600"/>
-            <a:ext cx="1272600" cy="990000"/>
+            <a:ext cx="1271880" cy="989280"/>
           </a:xfrm>
           <a:prstGeom prst="rect">
             <a:avLst/>
@@ -5844,14 +6142,14 @@
       </p:sp>
       <p:sp>
         <p:nvSpPr>
-          <p:cNvPr id="106" name="CustomShape 10"/>
+          <p:cNvPr id="116" name="CustomShape 10"/>
           <p:cNvSpPr/>
           <p:nvPr/>
         </p:nvSpPr>
         <p:spPr>
           <a:xfrm>
             <a:off x="7489440" y="4881240"/>
-            <a:ext cx="1750320" cy="1224720"/>
+            <a:ext cx="1749600" cy="1224000"/>
           </a:xfrm>
           <a:prstGeom prst="roundRect">
             <a:avLst>
@@ -5924,14 +6222,14 @@
       </p:sp>
       <p:sp>
         <p:nvSpPr>
-          <p:cNvPr id="107" name="CustomShape 11"/>
+          <p:cNvPr id="117" name="CustomShape 11"/>
           <p:cNvSpPr/>
           <p:nvPr/>
         </p:nvSpPr>
         <p:spPr>
           <a:xfrm>
             <a:off x="7200720" y="4378320"/>
-            <a:ext cx="1550880" cy="494280"/>
+            <a:ext cx="1550160" cy="493560"/>
           </a:xfrm>
           <a:prstGeom prst="roundRect">
             <a:avLst>
@@ -5996,14 +6294,14 @@
       </p:sp>
       <p:sp>
         <p:nvSpPr>
-          <p:cNvPr id="108" name="CustomShape 12"/>
+          <p:cNvPr id="118" name="CustomShape 12"/>
           <p:cNvSpPr/>
           <p:nvPr/>
         </p:nvSpPr>
         <p:spPr>
           <a:xfrm>
             <a:off x="5676120" y="2999160"/>
-            <a:ext cx="1550880" cy="494280"/>
+            <a:ext cx="1550160" cy="493560"/>
           </a:xfrm>
           <a:prstGeom prst="roundRect">
             <a:avLst>
